--- a/document/ロボゲー2024.pptx
+++ b/document/ロボゲー2024.pptx
@@ -262,7 +262,7 @@
           <a:p>
             <a:fld id="{32DFB964-A001-4918-8963-7F3A2A4575AA}" type="datetimeFigureOut">
               <a:rPr kumimoji="1" lang="ja-JP" altLang="en-US" smtClean="0"/>
-              <a:t>2024/7/30</a:t>
+              <a:t>2024/7/31</a:t>
             </a:fld>
             <a:endParaRPr kumimoji="1" lang="ja-JP" altLang="en-US"/>
           </a:p>
@@ -492,7 +492,7 @@
           <a:p>
             <a:fld id="{32DFB964-A001-4918-8963-7F3A2A4575AA}" type="datetimeFigureOut">
               <a:rPr kumimoji="1" lang="ja-JP" altLang="en-US" smtClean="0"/>
-              <a:t>2024/7/30</a:t>
+              <a:t>2024/7/31</a:t>
             </a:fld>
             <a:endParaRPr kumimoji="1" lang="ja-JP" altLang="en-US"/>
           </a:p>
@@ -732,7 +732,7 @@
           <a:p>
             <a:fld id="{32DFB964-A001-4918-8963-7F3A2A4575AA}" type="datetimeFigureOut">
               <a:rPr kumimoji="1" lang="ja-JP" altLang="en-US" smtClean="0"/>
-              <a:t>2024/7/30</a:t>
+              <a:t>2024/7/31</a:t>
             </a:fld>
             <a:endParaRPr kumimoji="1" lang="ja-JP" altLang="en-US"/>
           </a:p>
@@ -962,7 +962,7 @@
           <a:p>
             <a:fld id="{32DFB964-A001-4918-8963-7F3A2A4575AA}" type="datetimeFigureOut">
               <a:rPr kumimoji="1" lang="ja-JP" altLang="en-US" smtClean="0"/>
-              <a:t>2024/7/30</a:t>
+              <a:t>2024/7/31</a:t>
             </a:fld>
             <a:endParaRPr kumimoji="1" lang="ja-JP" altLang="en-US"/>
           </a:p>
@@ -1237,7 +1237,7 @@
           <a:p>
             <a:fld id="{32DFB964-A001-4918-8963-7F3A2A4575AA}" type="datetimeFigureOut">
               <a:rPr kumimoji="1" lang="ja-JP" altLang="en-US" smtClean="0"/>
-              <a:t>2024/7/30</a:t>
+              <a:t>2024/7/31</a:t>
             </a:fld>
             <a:endParaRPr kumimoji="1" lang="ja-JP" altLang="en-US"/>
           </a:p>
@@ -1566,7 +1566,7 @@
           <a:p>
             <a:fld id="{32DFB964-A001-4918-8963-7F3A2A4575AA}" type="datetimeFigureOut">
               <a:rPr kumimoji="1" lang="ja-JP" altLang="en-US" smtClean="0"/>
-              <a:t>2024/7/30</a:t>
+              <a:t>2024/7/31</a:t>
             </a:fld>
             <a:endParaRPr kumimoji="1" lang="ja-JP" altLang="en-US"/>
           </a:p>
@@ -2042,7 +2042,7 @@
           <a:p>
             <a:fld id="{32DFB964-A001-4918-8963-7F3A2A4575AA}" type="datetimeFigureOut">
               <a:rPr kumimoji="1" lang="ja-JP" altLang="en-US" smtClean="0"/>
-              <a:t>2024/7/30</a:t>
+              <a:t>2024/7/31</a:t>
             </a:fld>
             <a:endParaRPr kumimoji="1" lang="ja-JP" altLang="en-US"/>
           </a:p>
@@ -2183,7 +2183,7 @@
           <a:p>
             <a:fld id="{32DFB964-A001-4918-8963-7F3A2A4575AA}" type="datetimeFigureOut">
               <a:rPr kumimoji="1" lang="ja-JP" altLang="en-US" smtClean="0"/>
-              <a:t>2024/7/30</a:t>
+              <a:t>2024/7/31</a:t>
             </a:fld>
             <a:endParaRPr kumimoji="1" lang="ja-JP" altLang="en-US"/>
           </a:p>
@@ -2296,7 +2296,7 @@
           <a:p>
             <a:fld id="{32DFB964-A001-4918-8963-7F3A2A4575AA}" type="datetimeFigureOut">
               <a:rPr kumimoji="1" lang="ja-JP" altLang="en-US" smtClean="0"/>
-              <a:t>2024/7/30</a:t>
+              <a:t>2024/7/31</a:t>
             </a:fld>
             <a:endParaRPr kumimoji="1" lang="ja-JP" altLang="en-US"/>
           </a:p>
@@ -2639,7 +2639,7 @@
           <a:p>
             <a:fld id="{32DFB964-A001-4918-8963-7F3A2A4575AA}" type="datetimeFigureOut">
               <a:rPr kumimoji="1" lang="ja-JP" altLang="en-US" smtClean="0"/>
-              <a:t>2024/7/30</a:t>
+              <a:t>2024/7/31</a:t>
             </a:fld>
             <a:endParaRPr kumimoji="1" lang="ja-JP" altLang="en-US"/>
           </a:p>
@@ -2927,7 +2927,7 @@
           <a:p>
             <a:fld id="{32DFB964-A001-4918-8963-7F3A2A4575AA}" type="datetimeFigureOut">
               <a:rPr kumimoji="1" lang="ja-JP" altLang="en-US" smtClean="0"/>
-              <a:t>2024/7/30</a:t>
+              <a:t>2024/7/31</a:t>
             </a:fld>
             <a:endParaRPr kumimoji="1" lang="ja-JP" altLang="en-US"/>
           </a:p>
@@ -3200,7 +3200,7 @@
           <a:p>
             <a:fld id="{32DFB964-A001-4918-8963-7F3A2A4575AA}" type="datetimeFigureOut">
               <a:rPr kumimoji="1" lang="ja-JP" altLang="en-US" smtClean="0"/>
-              <a:t>2024/7/30</a:t>
+              <a:t>2024/7/31</a:t>
             </a:fld>
             <a:endParaRPr kumimoji="1" lang="ja-JP" altLang="en-US"/>
           </a:p>

--- a/document/ロボゲー2024.pptx
+++ b/document/ロボゲー2024.pptx
@@ -262,7 +262,7 @@
           <a:p>
             <a:fld id="{32DFB964-A001-4918-8963-7F3A2A4575AA}" type="datetimeFigureOut">
               <a:rPr kumimoji="1" lang="ja-JP" altLang="en-US" smtClean="0"/>
-              <a:t>2024/7/30</a:t>
+              <a:t>2024/8/4</a:t>
             </a:fld>
             <a:endParaRPr kumimoji="1" lang="ja-JP" altLang="en-US"/>
           </a:p>
@@ -492,7 +492,7 @@
           <a:p>
             <a:fld id="{32DFB964-A001-4918-8963-7F3A2A4575AA}" type="datetimeFigureOut">
               <a:rPr kumimoji="1" lang="ja-JP" altLang="en-US" smtClean="0"/>
-              <a:t>2024/7/30</a:t>
+              <a:t>2024/8/4</a:t>
             </a:fld>
             <a:endParaRPr kumimoji="1" lang="ja-JP" altLang="en-US"/>
           </a:p>
@@ -732,7 +732,7 @@
           <a:p>
             <a:fld id="{32DFB964-A001-4918-8963-7F3A2A4575AA}" type="datetimeFigureOut">
               <a:rPr kumimoji="1" lang="ja-JP" altLang="en-US" smtClean="0"/>
-              <a:t>2024/7/30</a:t>
+              <a:t>2024/8/4</a:t>
             </a:fld>
             <a:endParaRPr kumimoji="1" lang="ja-JP" altLang="en-US"/>
           </a:p>
@@ -962,7 +962,7 @@
           <a:p>
             <a:fld id="{32DFB964-A001-4918-8963-7F3A2A4575AA}" type="datetimeFigureOut">
               <a:rPr kumimoji="1" lang="ja-JP" altLang="en-US" smtClean="0"/>
-              <a:t>2024/7/30</a:t>
+              <a:t>2024/8/4</a:t>
             </a:fld>
             <a:endParaRPr kumimoji="1" lang="ja-JP" altLang="en-US"/>
           </a:p>
@@ -1237,7 +1237,7 @@
           <a:p>
             <a:fld id="{32DFB964-A001-4918-8963-7F3A2A4575AA}" type="datetimeFigureOut">
               <a:rPr kumimoji="1" lang="ja-JP" altLang="en-US" smtClean="0"/>
-              <a:t>2024/7/30</a:t>
+              <a:t>2024/8/4</a:t>
             </a:fld>
             <a:endParaRPr kumimoji="1" lang="ja-JP" altLang="en-US"/>
           </a:p>
@@ -1566,7 +1566,7 @@
           <a:p>
             <a:fld id="{32DFB964-A001-4918-8963-7F3A2A4575AA}" type="datetimeFigureOut">
               <a:rPr kumimoji="1" lang="ja-JP" altLang="en-US" smtClean="0"/>
-              <a:t>2024/7/30</a:t>
+              <a:t>2024/8/4</a:t>
             </a:fld>
             <a:endParaRPr kumimoji="1" lang="ja-JP" altLang="en-US"/>
           </a:p>
@@ -2042,7 +2042,7 @@
           <a:p>
             <a:fld id="{32DFB964-A001-4918-8963-7F3A2A4575AA}" type="datetimeFigureOut">
               <a:rPr kumimoji="1" lang="ja-JP" altLang="en-US" smtClean="0"/>
-              <a:t>2024/7/30</a:t>
+              <a:t>2024/8/4</a:t>
             </a:fld>
             <a:endParaRPr kumimoji="1" lang="ja-JP" altLang="en-US"/>
           </a:p>
@@ -2183,7 +2183,7 @@
           <a:p>
             <a:fld id="{32DFB964-A001-4918-8963-7F3A2A4575AA}" type="datetimeFigureOut">
               <a:rPr kumimoji="1" lang="ja-JP" altLang="en-US" smtClean="0"/>
-              <a:t>2024/7/30</a:t>
+              <a:t>2024/8/4</a:t>
             </a:fld>
             <a:endParaRPr kumimoji="1" lang="ja-JP" altLang="en-US"/>
           </a:p>
@@ -2296,7 +2296,7 @@
           <a:p>
             <a:fld id="{32DFB964-A001-4918-8963-7F3A2A4575AA}" type="datetimeFigureOut">
               <a:rPr kumimoji="1" lang="ja-JP" altLang="en-US" smtClean="0"/>
-              <a:t>2024/7/30</a:t>
+              <a:t>2024/8/4</a:t>
             </a:fld>
             <a:endParaRPr kumimoji="1" lang="ja-JP" altLang="en-US"/>
           </a:p>
@@ -2639,7 +2639,7 @@
           <a:p>
             <a:fld id="{32DFB964-A001-4918-8963-7F3A2A4575AA}" type="datetimeFigureOut">
               <a:rPr kumimoji="1" lang="ja-JP" altLang="en-US" smtClean="0"/>
-              <a:t>2024/7/30</a:t>
+              <a:t>2024/8/4</a:t>
             </a:fld>
             <a:endParaRPr kumimoji="1" lang="ja-JP" altLang="en-US"/>
           </a:p>
@@ -2927,7 +2927,7 @@
           <a:p>
             <a:fld id="{32DFB964-A001-4918-8963-7F3A2A4575AA}" type="datetimeFigureOut">
               <a:rPr kumimoji="1" lang="ja-JP" altLang="en-US" smtClean="0"/>
-              <a:t>2024/7/30</a:t>
+              <a:t>2024/8/4</a:t>
             </a:fld>
             <a:endParaRPr kumimoji="1" lang="ja-JP" altLang="en-US"/>
           </a:p>
@@ -3200,7 +3200,7 @@
           <a:p>
             <a:fld id="{32DFB964-A001-4918-8963-7F3A2A4575AA}" type="datetimeFigureOut">
               <a:rPr kumimoji="1" lang="ja-JP" altLang="en-US" smtClean="0"/>
-              <a:t>2024/7/30</a:t>
+              <a:t>2024/8/4</a:t>
             </a:fld>
             <a:endParaRPr kumimoji="1" lang="ja-JP" altLang="en-US"/>
           </a:p>
@@ -4075,7 +4075,7 @@
         <p:spPr>
           <a:xfrm>
             <a:off x="228600" y="219075"/>
-            <a:ext cx="4730782" cy="461665"/>
+            <a:ext cx="2031325" cy="461665"/>
           </a:xfrm>
           <a:prstGeom prst="rect">
             <a:avLst/>
@@ -4092,22 +4092,45 @@
               <a:rPr kumimoji="1" lang="ja-JP" altLang="en-US" sz="2400" b="1" dirty="0"/>
               <a:t>画面イメージ</a:t>
             </a:r>
-            <a:r>
-              <a:rPr kumimoji="1" lang="en-US" altLang="ja-JP" sz="2400" b="1" dirty="0"/>
-              <a:t>(</a:t>
-            </a:r>
-            <a:r>
-              <a:rPr kumimoji="1" lang="ja-JP" altLang="en-US" sz="2400" b="1" dirty="0"/>
-              <a:t>後から追加します</a:t>
-            </a:r>
-            <a:r>
-              <a:rPr kumimoji="1" lang="en-US" altLang="ja-JP" sz="2400" b="1" dirty="0"/>
-              <a:t>)</a:t>
-            </a:r>
-            <a:endParaRPr kumimoji="1" lang="ja-JP" altLang="en-US" sz="2400" b="1" dirty="0"/>
-          </a:p>
-        </p:txBody>
-      </p:sp>
+          </a:p>
+        </p:txBody>
+      </p:sp>
+      <p:pic>
+        <p:nvPicPr>
+          <p:cNvPr id="4" name="図 3">
+            <a:extLst>
+              <a:ext uri="{FF2B5EF4-FFF2-40B4-BE49-F238E27FC236}">
+                <a16:creationId xmlns:a16="http://schemas.microsoft.com/office/drawing/2014/main" id="{D9AB099C-18FA-442D-A831-341A3FC60C3E}"/>
+              </a:ext>
+            </a:extLst>
+          </p:cNvPr>
+          <p:cNvPicPr>
+            <a:picLocks noChangeAspect="1"/>
+          </p:cNvPicPr>
+          <p:nvPr/>
+        </p:nvPicPr>
+        <p:blipFill>
+          <a:blip r:embed="rId2">
+            <a:extLst>
+              <a:ext uri="{28A0092B-C50C-407E-A947-70E740481C1C}">
+                <a14:useLocalDpi xmlns:a14="http://schemas.microsoft.com/office/drawing/2010/main" val="0"/>
+              </a:ext>
+            </a:extLst>
+          </a:blip>
+          <a:stretch>
+            <a:fillRect/>
+          </a:stretch>
+        </p:blipFill>
+        <p:spPr>
+          <a:xfrm>
+            <a:off x="1559241" y="877073"/>
+            <a:ext cx="9073518" cy="5103853"/>
+          </a:xfrm>
+          <a:prstGeom prst="rect">
+            <a:avLst/>
+          </a:prstGeom>
+        </p:spPr>
+      </p:pic>
     </p:spTree>
     <p:extLst>
       <p:ext uri="{BB962C8B-B14F-4D97-AF65-F5344CB8AC3E}">

--- a/document/ロボゲー2024.pptx
+++ b/document/ロボゲー2024.pptx
@@ -9,6 +9,9 @@
     <p:sldId id="257" r:id="rId3"/>
     <p:sldId id="258" r:id="rId4"/>
     <p:sldId id="259" r:id="rId5"/>
+    <p:sldId id="260" r:id="rId6"/>
+    <p:sldId id="261" r:id="rId7"/>
+    <p:sldId id="262" r:id="rId8"/>
   </p:sldIdLst>
   <p:sldSz cx="12192000" cy="6858000"/>
   <p:notesSz cx="6858000" cy="9144000"/>
@@ -262,7 +265,7 @@
           <a:p>
             <a:fld id="{32DFB964-A001-4918-8963-7F3A2A4575AA}" type="datetimeFigureOut">
               <a:rPr kumimoji="1" lang="ja-JP" altLang="en-US" smtClean="0"/>
-              <a:t>2024/8/4</a:t>
+              <a:t>2024/8/5</a:t>
             </a:fld>
             <a:endParaRPr kumimoji="1" lang="ja-JP" altLang="en-US"/>
           </a:p>
@@ -492,7 +495,7 @@
           <a:p>
             <a:fld id="{32DFB964-A001-4918-8963-7F3A2A4575AA}" type="datetimeFigureOut">
               <a:rPr kumimoji="1" lang="ja-JP" altLang="en-US" smtClean="0"/>
-              <a:t>2024/8/4</a:t>
+              <a:t>2024/8/5</a:t>
             </a:fld>
             <a:endParaRPr kumimoji="1" lang="ja-JP" altLang="en-US"/>
           </a:p>
@@ -732,7 +735,7 @@
           <a:p>
             <a:fld id="{32DFB964-A001-4918-8963-7F3A2A4575AA}" type="datetimeFigureOut">
               <a:rPr kumimoji="1" lang="ja-JP" altLang="en-US" smtClean="0"/>
-              <a:t>2024/8/4</a:t>
+              <a:t>2024/8/5</a:t>
             </a:fld>
             <a:endParaRPr kumimoji="1" lang="ja-JP" altLang="en-US"/>
           </a:p>
@@ -962,7 +965,7 @@
           <a:p>
             <a:fld id="{32DFB964-A001-4918-8963-7F3A2A4575AA}" type="datetimeFigureOut">
               <a:rPr kumimoji="1" lang="ja-JP" altLang="en-US" smtClean="0"/>
-              <a:t>2024/8/4</a:t>
+              <a:t>2024/8/5</a:t>
             </a:fld>
             <a:endParaRPr kumimoji="1" lang="ja-JP" altLang="en-US"/>
           </a:p>
@@ -1237,7 +1240,7 @@
           <a:p>
             <a:fld id="{32DFB964-A001-4918-8963-7F3A2A4575AA}" type="datetimeFigureOut">
               <a:rPr kumimoji="1" lang="ja-JP" altLang="en-US" smtClean="0"/>
-              <a:t>2024/8/4</a:t>
+              <a:t>2024/8/5</a:t>
             </a:fld>
             <a:endParaRPr kumimoji="1" lang="ja-JP" altLang="en-US"/>
           </a:p>
@@ -1566,7 +1569,7 @@
           <a:p>
             <a:fld id="{32DFB964-A001-4918-8963-7F3A2A4575AA}" type="datetimeFigureOut">
               <a:rPr kumimoji="1" lang="ja-JP" altLang="en-US" smtClean="0"/>
-              <a:t>2024/8/4</a:t>
+              <a:t>2024/8/5</a:t>
             </a:fld>
             <a:endParaRPr kumimoji="1" lang="ja-JP" altLang="en-US"/>
           </a:p>
@@ -2042,7 +2045,7 @@
           <a:p>
             <a:fld id="{32DFB964-A001-4918-8963-7F3A2A4575AA}" type="datetimeFigureOut">
               <a:rPr kumimoji="1" lang="ja-JP" altLang="en-US" smtClean="0"/>
-              <a:t>2024/8/4</a:t>
+              <a:t>2024/8/5</a:t>
             </a:fld>
             <a:endParaRPr kumimoji="1" lang="ja-JP" altLang="en-US"/>
           </a:p>
@@ -2183,7 +2186,7 @@
           <a:p>
             <a:fld id="{32DFB964-A001-4918-8963-7F3A2A4575AA}" type="datetimeFigureOut">
               <a:rPr kumimoji="1" lang="ja-JP" altLang="en-US" smtClean="0"/>
-              <a:t>2024/8/4</a:t>
+              <a:t>2024/8/5</a:t>
             </a:fld>
             <a:endParaRPr kumimoji="1" lang="ja-JP" altLang="en-US"/>
           </a:p>
@@ -2296,7 +2299,7 @@
           <a:p>
             <a:fld id="{32DFB964-A001-4918-8963-7F3A2A4575AA}" type="datetimeFigureOut">
               <a:rPr kumimoji="1" lang="ja-JP" altLang="en-US" smtClean="0"/>
-              <a:t>2024/8/4</a:t>
+              <a:t>2024/8/5</a:t>
             </a:fld>
             <a:endParaRPr kumimoji="1" lang="ja-JP" altLang="en-US"/>
           </a:p>
@@ -2639,7 +2642,7 @@
           <a:p>
             <a:fld id="{32DFB964-A001-4918-8963-7F3A2A4575AA}" type="datetimeFigureOut">
               <a:rPr kumimoji="1" lang="ja-JP" altLang="en-US" smtClean="0"/>
-              <a:t>2024/8/4</a:t>
+              <a:t>2024/8/5</a:t>
             </a:fld>
             <a:endParaRPr kumimoji="1" lang="ja-JP" altLang="en-US"/>
           </a:p>
@@ -2927,7 +2930,7 @@
           <a:p>
             <a:fld id="{32DFB964-A001-4918-8963-7F3A2A4575AA}" type="datetimeFigureOut">
               <a:rPr kumimoji="1" lang="ja-JP" altLang="en-US" smtClean="0"/>
-              <a:t>2024/8/4</a:t>
+              <a:t>2024/8/5</a:t>
             </a:fld>
             <a:endParaRPr kumimoji="1" lang="ja-JP" altLang="en-US"/>
           </a:p>
@@ -3200,7 +3203,7 @@
           <a:p>
             <a:fld id="{32DFB964-A001-4918-8963-7F3A2A4575AA}" type="datetimeFigureOut">
               <a:rPr kumimoji="1" lang="ja-JP" altLang="en-US" smtClean="0"/>
-              <a:t>2024/8/4</a:t>
+              <a:t>2024/8/5</a:t>
             </a:fld>
             <a:endParaRPr kumimoji="1" lang="ja-JP" altLang="en-US"/>
           </a:p>
@@ -4144,6 +4147,874 @@
 </p:sld>
 </file>
 
+<file path=ppt/slides/slide5.xml><?xml version="1.0" encoding="utf-8"?>
+<p:sld xmlns:a="http://schemas.openxmlformats.org/drawingml/2006/main" xmlns:r="http://schemas.openxmlformats.org/officeDocument/2006/relationships" xmlns:p="http://schemas.openxmlformats.org/presentationml/2006/main">
+  <p:cSld>
+    <p:spTree>
+      <p:nvGrpSpPr>
+        <p:cNvPr id="1" name=""/>
+        <p:cNvGrpSpPr/>
+        <p:nvPr/>
+      </p:nvGrpSpPr>
+      <p:grpSpPr>
+        <a:xfrm>
+          <a:off x="0" y="0"/>
+          <a:ext cx="0" cy="0"/>
+          <a:chOff x="0" y="0"/>
+          <a:chExt cx="0" cy="0"/>
+        </a:xfrm>
+      </p:grpSpPr>
+      <p:sp>
+        <p:nvSpPr>
+          <p:cNvPr id="2" name="テキスト ボックス 1">
+            <a:extLst>
+              <a:ext uri="{FF2B5EF4-FFF2-40B4-BE49-F238E27FC236}">
+                <a16:creationId xmlns:a16="http://schemas.microsoft.com/office/drawing/2014/main" id="{5D366841-3EE4-497C-93E7-D0D6A650B561}"/>
+              </a:ext>
+            </a:extLst>
+          </p:cNvPr>
+          <p:cNvSpPr txBox="1"/>
+          <p:nvPr/>
+        </p:nvSpPr>
+        <p:spPr>
+          <a:xfrm>
+            <a:off x="4875153" y="2705725"/>
+            <a:ext cx="2441694" cy="1446550"/>
+          </a:xfrm>
+          <a:prstGeom prst="rect">
+            <a:avLst/>
+          </a:prstGeom>
+          <a:noFill/>
+        </p:spPr>
+        <p:txBody>
+          <a:bodyPr wrap="none" rtlCol="0">
+            <a:spAutoFit/>
+          </a:bodyPr>
+          <a:lstStyle/>
+          <a:p>
+            <a:r>
+              <a:rPr kumimoji="1" lang="ja-JP" altLang="en-US" sz="8800" b="1" dirty="0"/>
+              <a:t>設定</a:t>
+            </a:r>
+          </a:p>
+        </p:txBody>
+      </p:sp>
+    </p:spTree>
+    <p:extLst>
+      <p:ext uri="{BB962C8B-B14F-4D97-AF65-F5344CB8AC3E}">
+        <p14:creationId xmlns:p14="http://schemas.microsoft.com/office/powerpoint/2010/main" val="538814392"/>
+      </p:ext>
+    </p:extLst>
+  </p:cSld>
+  <p:clrMapOvr>
+    <a:masterClrMapping/>
+  </p:clrMapOvr>
+</p:sld>
+</file>
+
+<file path=ppt/slides/slide6.xml><?xml version="1.0" encoding="utf-8"?>
+<p:sld xmlns:a="http://schemas.openxmlformats.org/drawingml/2006/main" xmlns:r="http://schemas.openxmlformats.org/officeDocument/2006/relationships" xmlns:p="http://schemas.openxmlformats.org/presentationml/2006/main">
+  <p:cSld>
+    <p:spTree>
+      <p:nvGrpSpPr>
+        <p:cNvPr id="1" name=""/>
+        <p:cNvGrpSpPr/>
+        <p:nvPr/>
+      </p:nvGrpSpPr>
+      <p:grpSpPr>
+        <a:xfrm>
+          <a:off x="0" y="0"/>
+          <a:ext cx="0" cy="0"/>
+          <a:chOff x="0" y="0"/>
+          <a:chExt cx="0" cy="0"/>
+        </a:xfrm>
+      </p:grpSpPr>
+      <p:sp>
+        <p:nvSpPr>
+          <p:cNvPr id="2" name="テキスト ボックス 1">
+            <a:extLst>
+              <a:ext uri="{FF2B5EF4-FFF2-40B4-BE49-F238E27FC236}">
+                <a16:creationId xmlns:a16="http://schemas.microsoft.com/office/drawing/2014/main" id="{458417C1-F295-4911-AF1C-081AAB59258B}"/>
+              </a:ext>
+            </a:extLst>
+          </p:cNvPr>
+          <p:cNvSpPr txBox="1"/>
+          <p:nvPr/>
+        </p:nvSpPr>
+        <p:spPr>
+          <a:xfrm>
+            <a:off x="152400" y="152400"/>
+            <a:ext cx="1261884" cy="523220"/>
+          </a:xfrm>
+          <a:prstGeom prst="rect">
+            <a:avLst/>
+          </a:prstGeom>
+          <a:noFill/>
+        </p:spPr>
+        <p:txBody>
+          <a:bodyPr wrap="none" rtlCol="0">
+            <a:spAutoFit/>
+          </a:bodyPr>
+          <a:lstStyle/>
+          <a:p>
+            <a:r>
+              <a:rPr kumimoji="1" lang="ja-JP" altLang="en-US" sz="2800" b="1" dirty="0"/>
+              <a:t>敵陣営</a:t>
+            </a:r>
+          </a:p>
+        </p:txBody>
+      </p:sp>
+      <p:sp>
+        <p:nvSpPr>
+          <p:cNvPr id="3" name="テキスト ボックス 2">
+            <a:extLst>
+              <a:ext uri="{FF2B5EF4-FFF2-40B4-BE49-F238E27FC236}">
+                <a16:creationId xmlns:a16="http://schemas.microsoft.com/office/drawing/2014/main" id="{071A84F8-86E6-4693-B592-2BE71A0EA332}"/>
+              </a:ext>
+            </a:extLst>
+          </p:cNvPr>
+          <p:cNvSpPr txBox="1"/>
+          <p:nvPr/>
+        </p:nvSpPr>
+        <p:spPr>
+          <a:xfrm>
+            <a:off x="152400" y="1064537"/>
+            <a:ext cx="4371710" cy="523220"/>
+          </a:xfrm>
+          <a:prstGeom prst="rect">
+            <a:avLst/>
+          </a:prstGeom>
+          <a:noFill/>
+        </p:spPr>
+        <p:txBody>
+          <a:bodyPr wrap="none" rtlCol="0">
+            <a:spAutoFit/>
+          </a:bodyPr>
+          <a:lstStyle/>
+          <a:p>
+            <a:r>
+              <a:rPr lang="ja-JP" altLang="en-US" sz="2800" b="1" dirty="0"/>
+              <a:t>カッター</a:t>
+            </a:r>
+            <a:r>
+              <a:rPr lang="en-US" altLang="ja-JP" sz="2800" b="1" dirty="0"/>
+              <a:t>(LF07:CUTTER)</a:t>
+            </a:r>
+          </a:p>
+        </p:txBody>
+      </p:sp>
+      <p:sp>
+        <p:nvSpPr>
+          <p:cNvPr id="4" name="テキスト ボックス 3">
+            <a:extLst>
+              <a:ext uri="{FF2B5EF4-FFF2-40B4-BE49-F238E27FC236}">
+                <a16:creationId xmlns:a16="http://schemas.microsoft.com/office/drawing/2014/main" id="{DE378CCD-59E6-4B7B-9B49-2EB45B740D59}"/>
+              </a:ext>
+            </a:extLst>
+          </p:cNvPr>
+          <p:cNvSpPr txBox="1"/>
+          <p:nvPr/>
+        </p:nvSpPr>
+        <p:spPr>
+          <a:xfrm>
+            <a:off x="152400" y="1666220"/>
+            <a:ext cx="5262979" cy="1200329"/>
+          </a:xfrm>
+          <a:prstGeom prst="rect">
+            <a:avLst/>
+          </a:prstGeom>
+          <a:noFill/>
+        </p:spPr>
+        <p:txBody>
+          <a:bodyPr wrap="none" rtlCol="0">
+            <a:spAutoFit/>
+          </a:bodyPr>
+          <a:lstStyle/>
+          <a:p>
+            <a:r>
+              <a:rPr kumimoji="1" lang="ja-JP" altLang="en-US" dirty="0"/>
+              <a:t>最も普及している小型戦闘機、簡単に言えば雑魚</a:t>
+            </a:r>
+            <a:endParaRPr kumimoji="1" lang="en-US" altLang="ja-JP" dirty="0"/>
+          </a:p>
+          <a:p>
+            <a:r>
+              <a:rPr kumimoji="1" lang="ja-JP" altLang="en-US" dirty="0"/>
+              <a:t>戦闘レンジは中～近距離、搭載武装は機銃</a:t>
+            </a:r>
+            <a:endParaRPr kumimoji="1" lang="en-US" altLang="ja-JP" dirty="0"/>
+          </a:p>
+          <a:p>
+            <a:r>
+              <a:rPr kumimoji="1" lang="ja-JP" altLang="en-US" dirty="0"/>
+              <a:t>そこまで強くない画面の賑やかし役</a:t>
+            </a:r>
+            <a:endParaRPr kumimoji="1" lang="en-US" altLang="ja-JP" dirty="0"/>
+          </a:p>
+          <a:p>
+            <a:r>
+              <a:rPr lang="ja-JP" altLang="en-US" dirty="0"/>
+              <a:t>すぐ折れるけど交換しやすい雑兵</a:t>
+            </a:r>
+            <a:endParaRPr lang="en-US" altLang="ja-JP" dirty="0"/>
+          </a:p>
+        </p:txBody>
+      </p:sp>
+      <p:sp>
+        <p:nvSpPr>
+          <p:cNvPr id="7" name="テキスト ボックス 6">
+            <a:extLst>
+              <a:ext uri="{FF2B5EF4-FFF2-40B4-BE49-F238E27FC236}">
+                <a16:creationId xmlns:a16="http://schemas.microsoft.com/office/drawing/2014/main" id="{4E643862-75D7-4E83-9A28-CA94BF691EA1}"/>
+              </a:ext>
+            </a:extLst>
+          </p:cNvPr>
+          <p:cNvSpPr txBox="1"/>
+          <p:nvPr/>
+        </p:nvSpPr>
+        <p:spPr>
+          <a:xfrm>
+            <a:off x="70647" y="2945012"/>
+            <a:ext cx="4535216" cy="523220"/>
+          </a:xfrm>
+          <a:prstGeom prst="rect">
+            <a:avLst/>
+          </a:prstGeom>
+          <a:noFill/>
+        </p:spPr>
+        <p:txBody>
+          <a:bodyPr wrap="none" rtlCol="0">
+            <a:spAutoFit/>
+          </a:bodyPr>
+          <a:lstStyle/>
+          <a:p>
+            <a:r>
+              <a:rPr kumimoji="1" lang="ja-JP" altLang="en-US" sz="2800" b="1" dirty="0"/>
+              <a:t>トレンチ</a:t>
+            </a:r>
+            <a:r>
+              <a:rPr kumimoji="1" lang="en-US" altLang="ja-JP" sz="2800" b="1" dirty="0"/>
+              <a:t>(MF06:TRENCH)</a:t>
+            </a:r>
+            <a:endParaRPr kumimoji="1" lang="ja-JP" altLang="en-US" sz="2800" b="1" dirty="0"/>
+          </a:p>
+        </p:txBody>
+      </p:sp>
+      <p:sp>
+        <p:nvSpPr>
+          <p:cNvPr id="8" name="テキスト ボックス 7">
+            <a:extLst>
+              <a:ext uri="{FF2B5EF4-FFF2-40B4-BE49-F238E27FC236}">
+                <a16:creationId xmlns:a16="http://schemas.microsoft.com/office/drawing/2014/main" id="{15E6E605-058E-456C-AE23-FC3A56D186D3}"/>
+              </a:ext>
+            </a:extLst>
+          </p:cNvPr>
+          <p:cNvSpPr txBox="1"/>
+          <p:nvPr/>
+        </p:nvSpPr>
+        <p:spPr>
+          <a:xfrm>
+            <a:off x="152400" y="3468232"/>
+            <a:ext cx="5262979" cy="923330"/>
+          </a:xfrm>
+          <a:prstGeom prst="rect">
+            <a:avLst/>
+          </a:prstGeom>
+          <a:noFill/>
+        </p:spPr>
+        <p:txBody>
+          <a:bodyPr wrap="none" rtlCol="0">
+            <a:spAutoFit/>
+          </a:bodyPr>
+          <a:lstStyle/>
+          <a:p>
+            <a:r>
+              <a:rPr kumimoji="1" lang="ja-JP" altLang="en-US" dirty="0"/>
+              <a:t>強めの雑魚</a:t>
+            </a:r>
+            <a:r>
+              <a:rPr kumimoji="1" lang="en-US" altLang="ja-JP" dirty="0"/>
+              <a:t>AC6</a:t>
+            </a:r>
+            <a:r>
+              <a:rPr kumimoji="1" lang="ja-JP" altLang="en-US" dirty="0"/>
+              <a:t>で言うと</a:t>
+            </a:r>
+            <a:r>
+              <a:rPr kumimoji="1" lang="en-US" altLang="ja-JP" dirty="0"/>
+              <a:t>LC</a:t>
+            </a:r>
+            <a:r>
+              <a:rPr kumimoji="1" lang="ja-JP" altLang="en-US" dirty="0"/>
+              <a:t>枠</a:t>
+            </a:r>
+            <a:endParaRPr kumimoji="1" lang="en-US" altLang="ja-JP" dirty="0"/>
+          </a:p>
+          <a:p>
+            <a:r>
+              <a:rPr lang="ja-JP" altLang="en-US" dirty="0"/>
+              <a:t>戦闘レンジは中距離、搭載武装は機銃、ミサイル</a:t>
+            </a:r>
+            <a:endParaRPr lang="en-US" altLang="ja-JP" dirty="0"/>
+          </a:p>
+          <a:p>
+            <a:r>
+              <a:rPr kumimoji="1" lang="ja-JP" altLang="en-US" dirty="0"/>
+              <a:t>歯ごたえのある相手、再序盤の中ボスにもどうぞ</a:t>
+            </a:r>
+          </a:p>
+        </p:txBody>
+      </p:sp>
+      <p:sp>
+        <p:nvSpPr>
+          <p:cNvPr id="9" name="テキスト ボックス 8">
+            <a:extLst>
+              <a:ext uri="{FF2B5EF4-FFF2-40B4-BE49-F238E27FC236}">
+                <a16:creationId xmlns:a16="http://schemas.microsoft.com/office/drawing/2014/main" id="{4657C9AE-D82D-47EB-8FCA-6A16D2E9AEC0}"/>
+              </a:ext>
+            </a:extLst>
+          </p:cNvPr>
+          <p:cNvSpPr txBox="1"/>
+          <p:nvPr/>
+        </p:nvSpPr>
+        <p:spPr>
+          <a:xfrm>
+            <a:off x="152400" y="4677312"/>
+            <a:ext cx="5011308" cy="523220"/>
+          </a:xfrm>
+          <a:prstGeom prst="rect">
+            <a:avLst/>
+          </a:prstGeom>
+          <a:noFill/>
+        </p:spPr>
+        <p:txBody>
+          <a:bodyPr wrap="none" rtlCol="0">
+            <a:spAutoFit/>
+          </a:bodyPr>
+          <a:lstStyle/>
+          <a:p>
+            <a:r>
+              <a:rPr kumimoji="1" lang="ja-JP" altLang="en-US" sz="2800" b="1" dirty="0"/>
+              <a:t>スカルペル</a:t>
+            </a:r>
+            <a:r>
+              <a:rPr kumimoji="1" lang="en-US" altLang="ja-JP" sz="2800" b="1" dirty="0"/>
+              <a:t>(LF06’:SCALPEL)</a:t>
+            </a:r>
+            <a:endParaRPr kumimoji="1" lang="ja-JP" altLang="en-US" sz="2800" b="1" dirty="0"/>
+          </a:p>
+        </p:txBody>
+      </p:sp>
+      <p:sp>
+        <p:nvSpPr>
+          <p:cNvPr id="10" name="テキスト ボックス 9">
+            <a:extLst>
+              <a:ext uri="{FF2B5EF4-FFF2-40B4-BE49-F238E27FC236}">
+                <a16:creationId xmlns:a16="http://schemas.microsoft.com/office/drawing/2014/main" id="{7F87E33C-1B32-453E-B822-8C5582268C95}"/>
+              </a:ext>
+            </a:extLst>
+          </p:cNvPr>
+          <p:cNvSpPr txBox="1"/>
+          <p:nvPr/>
+        </p:nvSpPr>
+        <p:spPr>
+          <a:xfrm>
+            <a:off x="152400" y="5200532"/>
+            <a:ext cx="4801314" cy="923330"/>
+          </a:xfrm>
+          <a:prstGeom prst="rect">
+            <a:avLst/>
+          </a:prstGeom>
+          <a:noFill/>
+        </p:spPr>
+        <p:txBody>
+          <a:bodyPr wrap="none" rtlCol="0">
+            <a:spAutoFit/>
+          </a:bodyPr>
+          <a:lstStyle/>
+          <a:p>
+            <a:r>
+              <a:rPr lang="ja-JP" altLang="en-US" dirty="0"/>
+              <a:t>高速ステルス機、この中だと実装優先度低め</a:t>
+            </a:r>
+            <a:endParaRPr lang="en-US" altLang="ja-JP" dirty="0"/>
+          </a:p>
+          <a:p>
+            <a:r>
+              <a:rPr kumimoji="1" lang="ja-JP" altLang="en-US" dirty="0"/>
+              <a:t>戦闘レンジは近</a:t>
+            </a:r>
+            <a:r>
+              <a:rPr kumimoji="1" lang="en-US" altLang="ja-JP" dirty="0"/>
+              <a:t>~</a:t>
+            </a:r>
+            <a:r>
+              <a:rPr kumimoji="1" lang="ja-JP" altLang="en-US" dirty="0"/>
+              <a:t>接触</a:t>
+            </a:r>
+            <a:r>
+              <a:rPr lang="ja-JP" altLang="en-US" dirty="0"/>
+              <a:t>距離、武装は機銃と</a:t>
+            </a:r>
+            <a:endParaRPr lang="en-US" altLang="ja-JP" dirty="0"/>
+          </a:p>
+          <a:p>
+            <a:r>
+              <a:rPr lang="ja-JP" altLang="en-US" dirty="0"/>
+              <a:t>機体前部に展開するエネルギーブレード</a:t>
+            </a:r>
+            <a:endParaRPr kumimoji="1" lang="ja-JP" altLang="en-US" dirty="0"/>
+          </a:p>
+        </p:txBody>
+      </p:sp>
+      <p:sp>
+        <p:nvSpPr>
+          <p:cNvPr id="12" name="テキスト ボックス 11">
+            <a:extLst>
+              <a:ext uri="{FF2B5EF4-FFF2-40B4-BE49-F238E27FC236}">
+                <a16:creationId xmlns:a16="http://schemas.microsoft.com/office/drawing/2014/main" id="{92795AD5-7752-4C2B-ADFC-5A0BAF42A7CB}"/>
+              </a:ext>
+            </a:extLst>
+          </p:cNvPr>
+          <p:cNvSpPr txBox="1"/>
+          <p:nvPr/>
+        </p:nvSpPr>
+        <p:spPr>
+          <a:xfrm>
+            <a:off x="6096000" y="1004500"/>
+            <a:ext cx="5622052" cy="1323439"/>
+          </a:xfrm>
+          <a:prstGeom prst="rect">
+            <a:avLst/>
+          </a:prstGeom>
+          <a:noFill/>
+          <a:ln>
+            <a:solidFill>
+              <a:schemeClr val="tx1"/>
+            </a:solidFill>
+          </a:ln>
+        </p:spPr>
+        <p:txBody>
+          <a:bodyPr wrap="none" rtlCol="0">
+            <a:spAutoFit/>
+          </a:bodyPr>
+          <a:lstStyle/>
+          <a:p>
+            <a:r>
+              <a:rPr kumimoji="1" lang="ja-JP" altLang="en-US" sz="2000" b="1" dirty="0"/>
+              <a:t>現在の命名規則：</a:t>
+            </a:r>
+            <a:r>
+              <a:rPr lang="ja-JP" altLang="en-US" sz="2000" b="1" dirty="0"/>
+              <a:t>サイズ</a:t>
+            </a:r>
+            <a:r>
+              <a:rPr lang="en-US" altLang="ja-JP" sz="2000" b="1" dirty="0"/>
+              <a:t>(L</a:t>
+            </a:r>
+            <a:r>
+              <a:rPr kumimoji="1" lang="en-US" altLang="ja-JP" sz="2000" b="1" dirty="0"/>
+              <a:t>ight</a:t>
+            </a:r>
+            <a:r>
+              <a:rPr lang="en-US" altLang="ja-JP" sz="2000" b="1" dirty="0"/>
+              <a:t>,Middle,Heavy)</a:t>
+            </a:r>
+          </a:p>
+          <a:p>
+            <a:r>
+              <a:rPr kumimoji="1" lang="ja-JP" altLang="en-US" sz="2000" b="1" dirty="0"/>
+              <a:t>（</a:t>
+            </a:r>
+            <a:r>
+              <a:rPr lang="ja-JP" altLang="en-US" sz="2000" b="1" dirty="0"/>
+              <a:t>変えてもいい</a:t>
+            </a:r>
+            <a:r>
+              <a:rPr kumimoji="1" lang="ja-JP" altLang="en-US" sz="2000" b="1" dirty="0"/>
+              <a:t>）種別</a:t>
+            </a:r>
+            <a:r>
+              <a:rPr kumimoji="1" lang="en-US" altLang="ja-JP" sz="2000" b="1" dirty="0"/>
+              <a:t>(</a:t>
+            </a:r>
+            <a:r>
+              <a:rPr lang="en-US" altLang="ja-JP" sz="2000" b="1" dirty="0"/>
+              <a:t>F</a:t>
+            </a:r>
+            <a:r>
+              <a:rPr kumimoji="1" lang="en-US" altLang="ja-JP" sz="2000" b="1" dirty="0"/>
+              <a:t>ighter,Ship</a:t>
+            </a:r>
+            <a:r>
+              <a:rPr kumimoji="1" lang="ja-JP" altLang="en-US" sz="2000" b="1" dirty="0"/>
+              <a:t>）</a:t>
+            </a:r>
+            <a:endParaRPr kumimoji="1" lang="en-US" altLang="ja-JP" sz="2000" b="1" dirty="0"/>
+          </a:p>
+          <a:p>
+            <a:r>
+              <a:rPr lang="en-US" altLang="ja-JP" sz="2000" b="1" dirty="0"/>
+              <a:t>		</a:t>
+            </a:r>
+            <a:r>
+              <a:rPr lang="ja-JP" altLang="en-US" sz="2000" b="1" dirty="0"/>
+              <a:t>世代数</a:t>
+            </a:r>
+            <a:endParaRPr lang="en-US" altLang="ja-JP" sz="2000" b="1" dirty="0"/>
+          </a:p>
+          <a:p>
+            <a:r>
+              <a:rPr kumimoji="1" lang="en-US" altLang="ja-JP" sz="2000" b="1" dirty="0"/>
+              <a:t>		</a:t>
+            </a:r>
+            <a:r>
+              <a:rPr kumimoji="1" lang="ja-JP" altLang="en-US" sz="2000" b="1" dirty="0"/>
+              <a:t>名前</a:t>
+            </a:r>
+          </a:p>
+        </p:txBody>
+      </p:sp>
+      <p:sp>
+        <p:nvSpPr>
+          <p:cNvPr id="13" name="テキスト ボックス 12">
+            <a:extLst>
+              <a:ext uri="{FF2B5EF4-FFF2-40B4-BE49-F238E27FC236}">
+                <a16:creationId xmlns:a16="http://schemas.microsoft.com/office/drawing/2014/main" id="{4F07B930-FAB2-47CD-91D2-898E3FB3F852}"/>
+              </a:ext>
+            </a:extLst>
+          </p:cNvPr>
+          <p:cNvSpPr txBox="1"/>
+          <p:nvPr/>
+        </p:nvSpPr>
+        <p:spPr>
+          <a:xfrm>
+            <a:off x="6170367" y="2914234"/>
+            <a:ext cx="1261884" cy="523220"/>
+          </a:xfrm>
+          <a:prstGeom prst="rect">
+            <a:avLst/>
+          </a:prstGeom>
+          <a:noFill/>
+        </p:spPr>
+        <p:txBody>
+          <a:bodyPr wrap="none" rtlCol="0">
+            <a:spAutoFit/>
+          </a:bodyPr>
+          <a:lstStyle/>
+          <a:p>
+            <a:r>
+              <a:rPr kumimoji="1" lang="ja-JP" altLang="en-US" sz="2800" b="1" dirty="0"/>
+              <a:t>中型船</a:t>
+            </a:r>
+          </a:p>
+        </p:txBody>
+      </p:sp>
+      <p:sp>
+        <p:nvSpPr>
+          <p:cNvPr id="14" name="テキスト ボックス 13">
+            <a:extLst>
+              <a:ext uri="{FF2B5EF4-FFF2-40B4-BE49-F238E27FC236}">
+                <a16:creationId xmlns:a16="http://schemas.microsoft.com/office/drawing/2014/main" id="{BB0D0C0F-75D5-4FB4-AF71-3627F14F48F6}"/>
+              </a:ext>
+            </a:extLst>
+          </p:cNvPr>
+          <p:cNvSpPr txBox="1"/>
+          <p:nvPr/>
+        </p:nvSpPr>
+        <p:spPr>
+          <a:xfrm>
+            <a:off x="6195053" y="3404624"/>
+            <a:ext cx="5211683" cy="1200329"/>
+          </a:xfrm>
+          <a:prstGeom prst="rect">
+            <a:avLst/>
+          </a:prstGeom>
+          <a:noFill/>
+        </p:spPr>
+        <p:txBody>
+          <a:bodyPr wrap="none" rtlCol="0">
+            <a:spAutoFit/>
+          </a:bodyPr>
+          <a:lstStyle/>
+          <a:p>
+            <a:r>
+              <a:rPr kumimoji="1" lang="ja-JP" altLang="en-US" dirty="0"/>
+              <a:t>大型の一般敵、耐久はあるけど移動は遅い、的</a:t>
+            </a:r>
+            <a:endParaRPr kumimoji="1" lang="en-US" altLang="ja-JP" dirty="0"/>
+          </a:p>
+          <a:p>
+            <a:r>
+              <a:rPr lang="ja-JP" altLang="en-US" dirty="0"/>
+              <a:t>戦闘レンジは中～遠距離、搭載武装は砲</a:t>
+            </a:r>
+            <a:endParaRPr lang="en-US" altLang="ja-JP" dirty="0"/>
+          </a:p>
+          <a:p>
+            <a:r>
+              <a:rPr lang="ja-JP" altLang="en-US" dirty="0"/>
+              <a:t>連装ミサイル。船系に関しては武装の違う</a:t>
+            </a:r>
+            <a:endParaRPr lang="en-US" altLang="ja-JP" dirty="0"/>
+          </a:p>
+          <a:p>
+            <a:r>
+              <a:rPr lang="ja-JP" altLang="en-US" dirty="0"/>
+              <a:t>バリエーション機を出していいかも</a:t>
+            </a:r>
+            <a:endParaRPr lang="en-US" altLang="ja-JP" dirty="0"/>
+          </a:p>
+        </p:txBody>
+      </p:sp>
+      <p:sp>
+        <p:nvSpPr>
+          <p:cNvPr id="15" name="テキスト ボックス 14">
+            <a:extLst>
+              <a:ext uri="{FF2B5EF4-FFF2-40B4-BE49-F238E27FC236}">
+                <a16:creationId xmlns:a16="http://schemas.microsoft.com/office/drawing/2014/main" id="{A3A27CF7-C092-46CF-B07D-CA9F16B198BB}"/>
+              </a:ext>
+            </a:extLst>
+          </p:cNvPr>
+          <p:cNvSpPr txBox="1"/>
+          <p:nvPr/>
+        </p:nvSpPr>
+        <p:spPr>
+          <a:xfrm>
+            <a:off x="6195053" y="4708089"/>
+            <a:ext cx="1980029" cy="523220"/>
+          </a:xfrm>
+          <a:prstGeom prst="rect">
+            <a:avLst/>
+          </a:prstGeom>
+          <a:noFill/>
+        </p:spPr>
+        <p:txBody>
+          <a:bodyPr wrap="none" rtlCol="0">
+            <a:spAutoFit/>
+          </a:bodyPr>
+          <a:lstStyle/>
+          <a:p>
+            <a:r>
+              <a:rPr kumimoji="1" lang="ja-JP" altLang="en-US" sz="2800" b="1" dirty="0"/>
+              <a:t>ライバル機</a:t>
+            </a:r>
+          </a:p>
+        </p:txBody>
+      </p:sp>
+      <p:sp>
+        <p:nvSpPr>
+          <p:cNvPr id="16" name="テキスト ボックス 15">
+            <a:extLst>
+              <a:ext uri="{FF2B5EF4-FFF2-40B4-BE49-F238E27FC236}">
+                <a16:creationId xmlns:a16="http://schemas.microsoft.com/office/drawing/2014/main" id="{1221F0E4-D3C9-4414-94BA-69066EE8E5ED}"/>
+              </a:ext>
+            </a:extLst>
+          </p:cNvPr>
+          <p:cNvSpPr txBox="1"/>
+          <p:nvPr/>
+        </p:nvSpPr>
+        <p:spPr>
+          <a:xfrm>
+            <a:off x="6313835" y="5247444"/>
+            <a:ext cx="3722494" cy="369332"/>
+          </a:xfrm>
+          <a:prstGeom prst="rect">
+            <a:avLst/>
+          </a:prstGeom>
+          <a:noFill/>
+        </p:spPr>
+        <p:txBody>
+          <a:bodyPr wrap="none" rtlCol="0">
+            <a:spAutoFit/>
+          </a:bodyPr>
+          <a:lstStyle/>
+          <a:p>
+            <a:r>
+              <a:rPr kumimoji="1" lang="ja-JP" altLang="en-US" dirty="0"/>
+              <a:t>敵</a:t>
+            </a:r>
+            <a:r>
+              <a:rPr kumimoji="1" lang="en-US" altLang="ja-JP" dirty="0"/>
+              <a:t>AC</a:t>
+            </a:r>
+            <a:r>
+              <a:rPr kumimoji="1" lang="ja-JP" altLang="en-US" dirty="0"/>
+              <a:t>です、中ボスにも大ボスにも</a:t>
+            </a:r>
+          </a:p>
+        </p:txBody>
+      </p:sp>
+    </p:spTree>
+    <p:extLst>
+      <p:ext uri="{BB962C8B-B14F-4D97-AF65-F5344CB8AC3E}">
+        <p14:creationId xmlns:p14="http://schemas.microsoft.com/office/powerpoint/2010/main" val="2359970564"/>
+      </p:ext>
+    </p:extLst>
+  </p:cSld>
+  <p:clrMapOvr>
+    <a:masterClrMapping/>
+  </p:clrMapOvr>
+</p:sld>
+</file>
+
+<file path=ppt/slides/slide7.xml><?xml version="1.0" encoding="utf-8"?>
+<p:sld xmlns:a="http://schemas.openxmlformats.org/drawingml/2006/main" xmlns:r="http://schemas.openxmlformats.org/officeDocument/2006/relationships" xmlns:p="http://schemas.openxmlformats.org/presentationml/2006/main">
+  <p:cSld>
+    <p:spTree>
+      <p:nvGrpSpPr>
+        <p:cNvPr id="1" name=""/>
+        <p:cNvGrpSpPr/>
+        <p:nvPr/>
+      </p:nvGrpSpPr>
+      <p:grpSpPr>
+        <a:xfrm>
+          <a:off x="0" y="0"/>
+          <a:ext cx="0" cy="0"/>
+          <a:chOff x="0" y="0"/>
+          <a:chExt cx="0" cy="0"/>
+        </a:xfrm>
+      </p:grpSpPr>
+      <p:sp>
+        <p:nvSpPr>
+          <p:cNvPr id="2" name="テキスト ボックス 1">
+            <a:extLst>
+              <a:ext uri="{FF2B5EF4-FFF2-40B4-BE49-F238E27FC236}">
+                <a16:creationId xmlns:a16="http://schemas.microsoft.com/office/drawing/2014/main" id="{72206D4D-7EFB-4264-B51C-971AC27C1CC9}"/>
+              </a:ext>
+            </a:extLst>
+          </p:cNvPr>
+          <p:cNvSpPr txBox="1"/>
+          <p:nvPr/>
+        </p:nvSpPr>
+        <p:spPr>
+          <a:xfrm>
+            <a:off x="152400" y="152400"/>
+            <a:ext cx="1261884" cy="523220"/>
+          </a:xfrm>
+          <a:prstGeom prst="rect">
+            <a:avLst/>
+          </a:prstGeom>
+          <a:noFill/>
+        </p:spPr>
+        <p:txBody>
+          <a:bodyPr wrap="none" rtlCol="0">
+            <a:spAutoFit/>
+          </a:bodyPr>
+          <a:lstStyle/>
+          <a:p>
+            <a:r>
+              <a:rPr kumimoji="1" lang="ja-JP" altLang="en-US" sz="2800" b="1" dirty="0"/>
+              <a:t>敵陣営</a:t>
+            </a:r>
+          </a:p>
+        </p:txBody>
+      </p:sp>
+      <p:sp>
+        <p:nvSpPr>
+          <p:cNvPr id="3" name="テキスト ボックス 2">
+            <a:extLst>
+              <a:ext uri="{FF2B5EF4-FFF2-40B4-BE49-F238E27FC236}">
+                <a16:creationId xmlns:a16="http://schemas.microsoft.com/office/drawing/2014/main" id="{C74F7AAD-A76C-4D4E-8403-35B48EE42C49}"/>
+              </a:ext>
+            </a:extLst>
+          </p:cNvPr>
+          <p:cNvSpPr txBox="1"/>
+          <p:nvPr/>
+        </p:nvSpPr>
+        <p:spPr>
+          <a:xfrm>
+            <a:off x="152400" y="1228725"/>
+            <a:ext cx="1620957" cy="523220"/>
+          </a:xfrm>
+          <a:prstGeom prst="rect">
+            <a:avLst/>
+          </a:prstGeom>
+          <a:noFill/>
+        </p:spPr>
+        <p:txBody>
+          <a:bodyPr wrap="none" rtlCol="0">
+            <a:spAutoFit/>
+          </a:bodyPr>
+          <a:lstStyle/>
+          <a:p>
+            <a:r>
+              <a:rPr kumimoji="1" lang="ja-JP" altLang="en-US" sz="2800" b="1" dirty="0"/>
+              <a:t>大型艦船</a:t>
+            </a:r>
+          </a:p>
+        </p:txBody>
+      </p:sp>
+      <p:sp>
+        <p:nvSpPr>
+          <p:cNvPr id="4" name="テキスト ボックス 3">
+            <a:extLst>
+              <a:ext uri="{FF2B5EF4-FFF2-40B4-BE49-F238E27FC236}">
+                <a16:creationId xmlns:a16="http://schemas.microsoft.com/office/drawing/2014/main" id="{F25F2622-0E75-437B-8818-BA3D22ED07B5}"/>
+              </a:ext>
+            </a:extLst>
+          </p:cNvPr>
+          <p:cNvSpPr txBox="1"/>
+          <p:nvPr/>
+        </p:nvSpPr>
+        <p:spPr>
+          <a:xfrm>
+            <a:off x="219075" y="1751945"/>
+            <a:ext cx="6417141" cy="1200329"/>
+          </a:xfrm>
+          <a:prstGeom prst="rect">
+            <a:avLst/>
+          </a:prstGeom>
+          <a:noFill/>
+        </p:spPr>
+        <p:txBody>
+          <a:bodyPr wrap="none" rtlCol="0">
+            <a:spAutoFit/>
+          </a:bodyPr>
+          <a:lstStyle/>
+          <a:p>
+            <a:r>
+              <a:rPr kumimoji="1" lang="ja-JP" altLang="en-US" dirty="0"/>
+              <a:t>超大型のボスエネミー</a:t>
+            </a:r>
+            <a:endParaRPr kumimoji="1" lang="en-US" altLang="ja-JP" dirty="0"/>
+          </a:p>
+          <a:p>
+            <a:r>
+              <a:rPr kumimoji="1" lang="ja-JP" altLang="en-US" dirty="0"/>
+              <a:t>本体に当たり判定はなく、各部に設けられた砲塔や</a:t>
+            </a:r>
+            <a:endParaRPr kumimoji="1" lang="en-US" altLang="ja-JP" dirty="0"/>
+          </a:p>
+          <a:p>
+            <a:r>
+              <a:rPr kumimoji="1" lang="ja-JP" altLang="en-US" dirty="0"/>
+              <a:t>ミサイルアレイを攻撃する事で部位破壊＆本体へのダメージ</a:t>
+            </a:r>
+            <a:endParaRPr kumimoji="1" lang="en-US" altLang="ja-JP" dirty="0"/>
+          </a:p>
+          <a:p>
+            <a:r>
+              <a:rPr lang="ja-JP" altLang="en-US" dirty="0"/>
+              <a:t>が入る。</a:t>
+            </a:r>
+            <a:endParaRPr kumimoji="1" lang="ja-JP" altLang="en-US" dirty="0"/>
+          </a:p>
+        </p:txBody>
+      </p:sp>
+    </p:spTree>
+    <p:extLst>
+      <p:ext uri="{BB962C8B-B14F-4D97-AF65-F5344CB8AC3E}">
+        <p14:creationId xmlns:p14="http://schemas.microsoft.com/office/powerpoint/2010/main" val="670719716"/>
+      </p:ext>
+    </p:extLst>
+  </p:cSld>
+  <p:clrMapOvr>
+    <a:masterClrMapping/>
+  </p:clrMapOvr>
+</p:sld>
+</file>
+
 <file path=ppt/theme/theme1.xml><?xml version="1.0" encoding="utf-8"?>
 <a:theme xmlns:a="http://schemas.openxmlformats.org/drawingml/2006/main" name="Office テーマ">
   <a:themeElements>
